--- a/Operating systems.pptx
+++ b/Operating systems.pptx
@@ -972,6 +972,102 @@
               </a:rPr>
               <a:t>ensure communication with the user</a:t>
             </a:r>
+            <a:endParaRPr lang="hu-HU" sz="1200" dirty="0">
+              <a:solidFill>
+                <a:srgbClr val="000000"/>
+              </a:solidFill>
+              <a:latin typeface="+mj-lt"/>
+            </a:endParaRPr>
+          </a:p>
+          <a:p>
+            <a:pPr marL="0" marR="0" lvl="0" indent="0" algn="l" defTabSz="914400" rtl="0" eaLnBrk="1" fontAlgn="auto" latinLnBrk="0" hangingPunct="1">
+              <a:lnSpc>
+                <a:spcPct val="100000"/>
+              </a:lnSpc>
+              <a:spcBef>
+                <a:spcPts val="0"/>
+              </a:spcBef>
+              <a:spcAft>
+                <a:spcPts val="900"/>
+              </a:spcAft>
+              <a:buClr>
+                <a:schemeClr val="tx2"/>
+              </a:buClr>
+              <a:buSzTx/>
+              <a:buFont typeface="+mj-lt" panose="05020102010507070707" pitchFamily="18" charset="2"/>
+              <a:buNone/>
+              <a:tabLst/>
+              <a:defRPr/>
+            </a:pPr>
+            <a:endParaRPr lang="hu-HU" sz="1200" dirty="0">
+              <a:solidFill>
+                <a:srgbClr val="000000"/>
+              </a:solidFill>
+              <a:latin typeface="+mj-lt"/>
+            </a:endParaRPr>
+          </a:p>
+          <a:p>
+            <a:pPr marL="0" marR="0" lvl="0" indent="0" algn="l" defTabSz="914400" rtl="0" eaLnBrk="1" fontAlgn="auto" latinLnBrk="0" hangingPunct="1">
+              <a:lnSpc>
+                <a:spcPct val="100000"/>
+              </a:lnSpc>
+              <a:spcBef>
+                <a:spcPts val="0"/>
+              </a:spcBef>
+              <a:spcAft>
+                <a:spcPts val="900"/>
+              </a:spcAft>
+              <a:buClr>
+                <a:schemeClr val="tx2"/>
+              </a:buClr>
+              <a:buSzTx/>
+              <a:buFont typeface="+mj-lt" panose="05020102010507070707" pitchFamily="18" charset="2"/>
+              <a:buNone/>
+              <a:tabLst/>
+              <a:defRPr/>
+            </a:pPr>
+            <a:r>
+              <a:rPr lang="en-US" sz="1200" b="0" i="0" kern="1200" dirty="0">
+                <a:solidFill>
+                  <a:schemeClr val="tx1"/>
+                </a:solidFill>
+                <a:effectLst/>
+                <a:latin typeface="+mj-lt"/>
+                <a:ea typeface="+mn-ea"/>
+                <a:cs typeface="+mn-cs"/>
+              </a:rPr>
+              <a:t>CPU scheduling is </a:t>
+            </a:r>
+            <a:r>
+              <a:rPr lang="en-US" sz="1200" b="1" i="0" kern="1200" dirty="0">
+                <a:solidFill>
+                  <a:schemeClr val="tx1"/>
+                </a:solidFill>
+                <a:effectLst/>
+                <a:latin typeface="+mj-lt"/>
+                <a:ea typeface="+mn-ea"/>
+                <a:cs typeface="+mn-cs"/>
+              </a:rPr>
+              <a:t>the task performed by the CPU that decides the way and order in which processes should be executed</a:t>
+            </a:r>
+            <a:r>
+              <a:rPr lang="en-US" sz="1200" b="0" i="0" kern="1200" dirty="0">
+                <a:solidFill>
+                  <a:schemeClr val="tx1"/>
+                </a:solidFill>
+                <a:effectLst/>
+                <a:latin typeface="+mj-lt"/>
+                <a:ea typeface="+mn-ea"/>
+                <a:cs typeface="+mn-cs"/>
+              </a:rPr>
+              <a:t>.</a:t>
+            </a:r>
+            <a:endParaRPr lang="en-GB" sz="1200" dirty="0">
+              <a:solidFill>
+                <a:srgbClr val="000000"/>
+              </a:solidFill>
+              <a:latin typeface="+mj-lt"/>
+            </a:endParaRPr>
           </a:p>
           <a:p>
             <a:endParaRPr lang="hu-HU" dirty="0"/>
@@ -29768,24 +29864,96 @@
             <a:pPr lvl="1" algn="just"/>
             <a:r>
               <a:rPr lang="en-GB" sz="2400" dirty="0"/>
-              <a:t>macOS 11</a:t>
+              <a:t>macOS</a:t>
+            </a:r>
+            <a:r>
+              <a:rPr lang="hu-HU" sz="2400" dirty="0"/>
+              <a:t> (Big </a:t>
+            </a:r>
+            <a:r>
+              <a:rPr lang="hu-HU" sz="2400" dirty="0" err="1"/>
+              <a:t>Sur</a:t>
+            </a:r>
+            <a:r>
+              <a:rPr lang="hu-HU" sz="2400" dirty="0"/>
+              <a:t>)</a:t>
+            </a:r>
+            <a:r>
+              <a:rPr lang="en-GB" sz="2400" dirty="0"/>
+              <a:t> 11</a:t>
             </a:r>
             <a:endParaRPr lang="hu-HU" sz="2400" dirty="0"/>
           </a:p>
           <a:p>
             <a:pPr lvl="1" algn="just"/>
             <a:r>
+              <a:rPr lang="hu-HU" sz="2400" dirty="0"/>
+              <a:t>(</a:t>
+            </a:r>
+            <a:r>
+              <a:rPr lang="hu-HU" sz="2400" b="0" i="0" dirty="0">
+                <a:solidFill>
+                  <a:srgbClr val="202122"/>
+                </a:solidFill>
+                <a:effectLst/>
+                <a:latin typeface="Arial" panose="020B0604020202020204" pitchFamily="34" charset="0"/>
+              </a:rPr>
+              <a:t>November 12 2020</a:t>
+            </a:r>
+            <a:r>
+              <a:rPr lang="hu-HU" sz="2400" dirty="0"/>
+              <a:t>)</a:t>
+            </a:r>
+          </a:p>
+          <a:p>
+            <a:pPr lvl="1" algn="just"/>
+            <a:r>
               <a:rPr lang="en-GB" sz="2400" dirty="0"/>
-              <a:t>macOS 12</a:t>
+              <a:t>macOS </a:t>
+            </a:r>
+            <a:r>
+              <a:rPr lang="hu-HU" sz="2400" dirty="0"/>
+              <a:t>(</a:t>
+            </a:r>
+            <a:r>
+              <a:rPr lang="hu-HU" sz="2400" dirty="0" err="1"/>
+              <a:t>Monterey</a:t>
+            </a:r>
+            <a:r>
+              <a:rPr lang="hu-HU" sz="2400" dirty="0"/>
+              <a:t>) 12</a:t>
             </a:r>
           </a:p>
           <a:p>
             <a:pPr lvl="1" algn="just"/>
-            <a:endParaRPr lang="hu-HU" sz="2400" dirty="0"/>
-          </a:p>
-          <a:p>
-            <a:pPr lvl="1" algn="just"/>
-            <a:endParaRPr lang="en-GB" sz="2400" dirty="0"/>
+            <a:r>
+              <a:rPr lang="hu-HU" sz="2400" dirty="0"/>
+              <a:t>(</a:t>
+            </a:r>
+            <a:r>
+              <a:rPr lang="hu-HU" sz="2400" b="0" i="0" dirty="0" err="1">
+                <a:solidFill>
+                  <a:srgbClr val="202122"/>
+                </a:solidFill>
+                <a:effectLst/>
+                <a:latin typeface="Arial" panose="020B0604020202020204" pitchFamily="34" charset="0"/>
+              </a:rPr>
+              <a:t>October</a:t>
+            </a:r>
+            <a:r>
+              <a:rPr lang="hu-HU" sz="2400" b="0" i="0" dirty="0">
+                <a:solidFill>
+                  <a:srgbClr val="202122"/>
+                </a:solidFill>
+                <a:effectLst/>
+                <a:latin typeface="Arial" panose="020B0604020202020204" pitchFamily="34" charset="0"/>
+              </a:rPr>
+              <a:t> 25 2021</a:t>
+            </a:r>
+            <a:r>
+              <a:rPr lang="hu-HU" sz="2400" dirty="0"/>
+              <a:t>)</a:t>
+            </a:r>
           </a:p>
           <a:p>
             <a:pPr lvl="1" algn="just"/>
@@ -29797,6 +29965,7 @@
               <a:rPr lang="en-GB" sz="2400" b="1" u="sng" dirty="0"/>
               <a:t>:</a:t>
             </a:r>
+            <a:endParaRPr lang="hu-HU" sz="2400" b="1" u="sng" dirty="0"/>
           </a:p>
           <a:p>
             <a:pPr marL="285750" lvl="1" indent="-285750" algn="just">
@@ -29805,7 +29974,15 @@
             </a:pPr>
             <a:r>
               <a:rPr lang="hu-HU" sz="2400" dirty="0"/>
-              <a:t>Windows 7</a:t>
+              <a:t>Windows XP (</a:t>
+            </a:r>
+            <a:r>
+              <a:rPr lang="hu-HU" sz="2400" dirty="0" err="1"/>
+              <a:t>October</a:t>
+            </a:r>
+            <a:r>
+              <a:rPr lang="hu-HU" sz="2400" dirty="0"/>
+              <a:t> 25 2001)</a:t>
             </a:r>
           </a:p>
           <a:p>
@@ -29815,7 +29992,45 @@
             </a:pPr>
             <a:r>
               <a:rPr lang="hu-HU" sz="2400" dirty="0"/>
-              <a:t>Windows 10</a:t>
+              <a:t>Windows 7 (</a:t>
+            </a:r>
+            <a:r>
+              <a:rPr lang="hu-HU" sz="2400" b="0" i="0" dirty="0" err="1">
+                <a:solidFill>
+                  <a:srgbClr val="202122"/>
+                </a:solidFill>
+                <a:effectLst/>
+                <a:latin typeface="Arial" panose="020B0604020202020204" pitchFamily="34" charset="0"/>
+              </a:rPr>
+              <a:t>October</a:t>
+            </a:r>
+            <a:r>
+              <a:rPr lang="hu-HU" sz="2400" b="0" i="0" dirty="0">
+                <a:solidFill>
+                  <a:srgbClr val="202122"/>
+                </a:solidFill>
+                <a:effectLst/>
+                <a:latin typeface="Arial" panose="020B0604020202020204" pitchFamily="34" charset="0"/>
+              </a:rPr>
+              <a:t> 22</a:t>
+            </a:r>
+            <a:r>
+              <a:rPr lang="hu-HU" sz="2400" dirty="0"/>
+              <a:t> </a:t>
+            </a:r>
+            <a:r>
+              <a:rPr lang="hu-HU" sz="2400" b="0" i="0" dirty="0">
+                <a:solidFill>
+                  <a:srgbClr val="202122"/>
+                </a:solidFill>
+                <a:effectLst/>
+                <a:latin typeface="Arial" panose="020B0604020202020204" pitchFamily="34" charset="0"/>
+              </a:rPr>
+              <a:t>2009</a:t>
+            </a:r>
+            <a:r>
+              <a:rPr lang="hu-HU" sz="2400" dirty="0"/>
+              <a:t>)</a:t>
             </a:r>
           </a:p>
           <a:p>
@@ -29825,16 +30040,101 @@
             </a:pPr>
             <a:r>
               <a:rPr lang="hu-HU" sz="2400" dirty="0"/>
-              <a:t>Windows 11 (</a:t>
-            </a:r>
-            <a:r>
-              <a:rPr lang="hu-HU" sz="2400" dirty="0" err="1"/>
-              <a:t>newest</a:t>
+              <a:t>Windows 10 (</a:t>
+            </a:r>
+            <a:r>
+              <a:rPr lang="hu-HU" sz="2400" b="0" i="0" dirty="0" err="1">
+                <a:solidFill>
+                  <a:srgbClr val="202122"/>
+                </a:solidFill>
+                <a:effectLst/>
+                <a:latin typeface="Arial" panose="020B0604020202020204" pitchFamily="34" charset="0"/>
+              </a:rPr>
+              <a:t>July</a:t>
+            </a:r>
+            <a:r>
+              <a:rPr lang="hu-HU" sz="2400" b="0" i="0" dirty="0">
+                <a:solidFill>
+                  <a:srgbClr val="202122"/>
+                </a:solidFill>
+                <a:effectLst/>
+                <a:latin typeface="Arial" panose="020B0604020202020204" pitchFamily="34" charset="0"/>
+              </a:rPr>
+              <a:t> 29</a:t>
+            </a:r>
+            <a:r>
+              <a:rPr lang="hu-HU" sz="2400" dirty="0"/>
+              <a:t> </a:t>
+            </a:r>
+            <a:r>
+              <a:rPr lang="hu-HU" sz="2400" b="0" i="0" dirty="0">
+                <a:solidFill>
+                  <a:srgbClr val="202122"/>
+                </a:solidFill>
+                <a:effectLst/>
+                <a:latin typeface="Arial" panose="020B0604020202020204" pitchFamily="34" charset="0"/>
+              </a:rPr>
+              <a:t>2015</a:t>
             </a:r>
             <a:r>
               <a:rPr lang="hu-HU" sz="2400" dirty="0"/>
               <a:t>)</a:t>
             </a:r>
+          </a:p>
+          <a:p>
+            <a:pPr marL="285750" lvl="1" indent="-285750" algn="just">
+              <a:buFont typeface="Arial" panose="020B0604020202020204" pitchFamily="34" charset="0"/>
+              <a:buChar char="•"/>
+            </a:pPr>
+            <a:r>
+              <a:rPr lang="hu-HU" sz="2400" dirty="0"/>
+              <a:t>Windows 11 (</a:t>
+            </a:r>
+            <a:r>
+              <a:rPr lang="hu-HU" sz="2400" b="0" i="0" dirty="0" err="1">
+                <a:solidFill>
+                  <a:srgbClr val="202122"/>
+                </a:solidFill>
+                <a:effectLst/>
+                <a:latin typeface="Arial" panose="020B0604020202020204" pitchFamily="34" charset="0"/>
+              </a:rPr>
+              <a:t>June</a:t>
+            </a:r>
+            <a:r>
+              <a:rPr lang="hu-HU" sz="2400" b="0" i="0" dirty="0">
+                <a:solidFill>
+                  <a:srgbClr val="202122"/>
+                </a:solidFill>
+                <a:effectLst/>
+                <a:latin typeface="Arial" panose="020B0604020202020204" pitchFamily="34" charset="0"/>
+              </a:rPr>
+              <a:t> 24</a:t>
+            </a:r>
+            <a:r>
+              <a:rPr lang="hu-HU" sz="2400" dirty="0"/>
+              <a:t> </a:t>
+            </a:r>
+            <a:r>
+              <a:rPr lang="hu-HU" sz="2400" b="0" i="0" dirty="0">
+                <a:solidFill>
+                  <a:srgbClr val="202122"/>
+                </a:solidFill>
+                <a:effectLst/>
+                <a:latin typeface="Arial" panose="020B0604020202020204" pitchFamily="34" charset="0"/>
+              </a:rPr>
+              <a:t>2021</a:t>
+            </a:r>
+            <a:r>
+              <a:rPr lang="hu-HU" sz="2400" dirty="0"/>
+              <a:t>)</a:t>
+            </a:r>
+            <a:endParaRPr lang="en-GB" sz="2400" dirty="0"/>
+          </a:p>
+          <a:p>
+            <a:pPr marL="285750" lvl="1" indent="-285750" algn="just">
+              <a:buFont typeface="Arial" panose="020B0604020202020204" pitchFamily="34" charset="0"/>
+              <a:buChar char="•"/>
+            </a:pPr>
             <a:endParaRPr lang="en-GB" sz="2400" dirty="0"/>
           </a:p>
           <a:p>
@@ -32207,18 +32507,10 @@
               <a:buNone/>
             </a:pPr>
             <a:r>
-              <a:rPr lang="hu-HU" sz="2400" b="1" u="sng" dirty="0"/>
-              <a:t>Réteg szerkezetű </a:t>
-            </a:r>
-            <a:r>
-              <a:rPr lang="hu-HU" sz="2400" b="1" u="sng" dirty="0" err="1"/>
-              <a:t>op</a:t>
-            </a:r>
-            <a:r>
-              <a:rPr lang="hu-HU" sz="2400" b="1" u="sng" dirty="0"/>
-              <a:t> rendszer részei:</a:t>
-            </a:r>
-            <a:endParaRPr lang="hu-HU" sz="2400" dirty="0"/>
+              <a:rPr lang="en-US" sz="2400" b="1" u="sng" dirty="0"/>
+              <a:t>Parts of a layered op system:</a:t>
+            </a:r>
+            <a:endParaRPr lang="hu-HU" sz="2400" b="1" u="sng" dirty="0"/>
           </a:p>
           <a:p>
             <a:pPr lvl="2">
@@ -32228,7 +32520,15 @@
             </a:pPr>
             <a:r>
               <a:rPr lang="hu-HU" sz="2400" dirty="0"/>
-              <a:t> Rendszermag (kernel) </a:t>
+              <a:t> System </a:t>
+            </a:r>
+            <a:r>
+              <a:rPr lang="hu-HU" sz="2400" dirty="0" err="1"/>
+              <a:t>core</a:t>
+            </a:r>
+            <a:r>
+              <a:rPr lang="hu-HU" sz="2400" dirty="0"/>
+              <a:t> (kernel) </a:t>
             </a:r>
           </a:p>
           <a:p>
@@ -32239,7 +32539,31 @@
             </a:pPr>
             <a:r>
               <a:rPr lang="hu-HU" sz="2400" dirty="0"/>
-              <a:t> Alkalmazói programozási interfész </a:t>
+              <a:t> (API: </a:t>
+            </a:r>
+            <a:r>
+              <a:rPr lang="hu-HU" sz="2400" dirty="0" err="1"/>
+              <a:t>Application</a:t>
+            </a:r>
+            <a:r>
+              <a:rPr lang="hu-HU" sz="2400" dirty="0"/>
+              <a:t> </a:t>
+            </a:r>
+            <a:r>
+              <a:rPr lang="hu-HU" sz="2400" dirty="0" err="1"/>
+              <a:t>Programming</a:t>
+            </a:r>
+            <a:r>
+              <a:rPr lang="hu-HU" sz="2400" dirty="0"/>
+              <a:t> </a:t>
+            </a:r>
+            <a:r>
+              <a:rPr lang="hu-HU" sz="2400" dirty="0" err="1"/>
+              <a:t>Interface</a:t>
+            </a:r>
+            <a:r>
+              <a:rPr lang="hu-HU" sz="2400" dirty="0"/>
+              <a:t>) </a:t>
             </a:r>
           </a:p>
           <a:p>
@@ -32250,27 +32574,19 @@
             </a:pPr>
             <a:r>
               <a:rPr lang="hu-HU" sz="2400" dirty="0"/>
-              <a:t> (API: </a:t>
+              <a:t> System </a:t>
             </a:r>
             <a:r>
               <a:rPr lang="hu-HU" sz="2400" dirty="0" err="1"/>
-              <a:t>Application</a:t>
+              <a:t>shell</a:t>
             </a:r>
             <a:r>
               <a:rPr lang="hu-HU" sz="2400" dirty="0"/>
-              <a:t> </a:t>
+              <a:t> (</a:t>
             </a:r>
             <a:r>
               <a:rPr lang="hu-HU" sz="2400" dirty="0" err="1"/>
-              <a:t>Programming</a:t>
-            </a:r>
-            <a:r>
-              <a:rPr lang="hu-HU" sz="2400" dirty="0"/>
-              <a:t> </a:t>
-            </a:r>
-            <a:r>
-              <a:rPr lang="hu-HU" sz="2400" dirty="0" err="1"/>
-              <a:t>Interface</a:t>
+              <a:t>shell</a:t>
             </a:r>
             <a:r>
               <a:rPr lang="hu-HU" sz="2400" dirty="0"/>
@@ -32285,26 +32601,15 @@
             </a:pPr>
             <a:r>
               <a:rPr lang="hu-HU" sz="2400" dirty="0"/>
-              <a:t> Rendszerhéj (</a:t>
+              <a:t> Service </a:t>
             </a:r>
             <a:r>
               <a:rPr lang="hu-HU" sz="2400" dirty="0" err="1"/>
-              <a:t>shell</a:t>
+              <a:t>programs</a:t>
             </a:r>
             <a:r>
               <a:rPr lang="hu-HU" sz="2400" dirty="0"/>
-              <a:t>) </a:t>
-            </a:r>
-          </a:p>
-          <a:p>
-            <a:pPr lvl="2">
-              <a:lnSpc>
-                <a:spcPct val="120000"/>
-              </a:lnSpc>
-            </a:pPr>
-            <a:r>
-              <a:rPr lang="hu-HU" sz="2400" dirty="0"/>
-              <a:t> Szervizprogramok (</a:t>
+              <a:t> (</a:t>
             </a:r>
             <a:r>
               <a:rPr lang="hu-HU" sz="2400" dirty="0" err="1"/>
@@ -32674,8 +32979,8 @@
               </a:lnSpc>
             </a:pPr>
             <a:r>
-              <a:rPr lang="hu-HU" sz="2400" dirty="0"/>
-              <a:t>kényelmet, hatékonyságot, védelmet biztosít.</a:t>
+              <a:rPr lang="en-US" sz="2400" dirty="0"/>
+              <a:t>It provides comfort, efficiency and protection.</a:t>
             </a:r>
           </a:p>
           <a:p>
@@ -32685,19 +32990,29 @@
               </a:lnSpc>
             </a:pPr>
             <a:r>
+              <a:rPr lang="hu-HU" sz="2400" dirty="0" err="1"/>
+              <a:t>Separates</a:t>
+            </a:r>
+            <a:r>
               <a:rPr lang="hu-HU" sz="2400" dirty="0"/>
-              <a:t>Elválasztja az alkalmazásokat a hardvertől</a:t>
-            </a:r>
-          </a:p>
-          <a:p>
-            <a:pPr marL="0" lvl="2" indent="0">
-              <a:lnSpc>
-                <a:spcPct val="90000"/>
-              </a:lnSpc>
-              <a:buFont typeface="TeleNeo Office" panose="020B0504040202090203" pitchFamily="34" charset="0"/>
-              <a:buNone/>
-            </a:pPr>
-            <a:endParaRPr lang="hu-HU" sz="2400" dirty="0"/>
+              <a:t> </a:t>
+            </a:r>
+            <a:r>
+              <a:rPr lang="hu-HU" sz="2400" dirty="0" err="1"/>
+              <a:t>applications</a:t>
+            </a:r>
+            <a:r>
+              <a:rPr lang="hu-HU" sz="2400" dirty="0"/>
+              <a:t> </a:t>
+            </a:r>
+            <a:r>
+              <a:rPr lang="hu-HU" sz="2400" dirty="0" err="1"/>
+              <a:t>from</a:t>
+            </a:r>
+            <a:r>
+              <a:rPr lang="hu-HU" sz="2400" dirty="0"/>
+              <a:t> hardware</a:t>
+            </a:r>
           </a:p>
         </p:txBody>
       </p:sp>
@@ -33645,15 +33960,6 @@
           <a:effectLst>
             <a:softEdge rad="0"/>
           </a:effectLst>
-          <a:extLst>
-            <a:ext uri="{909E8E84-426E-40DD-AFC4-6F175D3DCCD1}">
-              <a14:hiddenFill xmlns:a14="http://schemas.microsoft.com/office/drawing/2010/main">
-                <a:solidFill>
-                  <a:srgbClr val="FFFFFF"/>
-                </a:solidFill>
-              </a14:hiddenFill>
-            </a:ext>
-          </a:extLst>
         </p:spPr>
       </p:pic>
       <p:sp>
@@ -36211,15 +36517,6 @@
 </file>
 
 <file path=customXml/item2.xml><?xml version="1.0" encoding="utf-8"?>
-<?mso-contentType ?>
-<FormTemplates xmlns="http://schemas.microsoft.com/sharepoint/v3/contenttype/forms">
-  <Display>DocumentLibraryForm</Display>
-  <Edit>DocumentLibraryForm</Edit>
-  <New>DocumentLibraryForm</New>
-</FormTemplates>
-</file>
-
-<file path=customXml/item3.xml><?xml version="1.0" encoding="utf-8"?>
 <ct:contentTypeSchema xmlns:ct="http://schemas.microsoft.com/office/2006/metadata/contentType" xmlns:ma="http://schemas.microsoft.com/office/2006/metadata/properties/metaAttributes" ct:_="" ma:_="" ma:contentTypeName="Dokument" ma:contentTypeID="0x010100D5021D9342D03D4C8D606524AC38CEA5" ma:contentTypeVersion="8" ma:contentTypeDescription="Ein neues Dokument erstellen." ma:contentTypeScope="" ma:versionID="b1f49e4bb99d35998bb8eccaac22130a">
   <xsd:schema xmlns:xsd="http://www.w3.org/2001/XMLSchema" xmlns:xs="http://www.w3.org/2001/XMLSchema" xmlns:p="http://schemas.microsoft.com/office/2006/metadata/properties" xmlns:ns2="c4fd7797-ea2b-49d5-a651-436549cce9f4" xmlns:ns3="31b830ef-a116-44e3-a960-b0b072e024a0" targetNamespace="http://schemas.microsoft.com/office/2006/metadata/properties" ma:root="true" ma:fieldsID="5db61ef1393ade2fd50bb5c279cb9188" ns2:_="" ns3:_="">
     <xsd:import namespace="c4fd7797-ea2b-49d5-a651-436549cce9f4"/>
@@ -36408,6 +36705,15 @@
 </ct:contentTypeSchema>
 </file>
 
+<file path=customXml/item3.xml><?xml version="1.0" encoding="utf-8"?>
+<?mso-contentType ?>
+<FormTemplates xmlns="http://schemas.microsoft.com/sharepoint/v3/contenttype/forms">
+  <Display>DocumentLibraryForm</Display>
+  <Edit>DocumentLibraryForm</Edit>
+  <New>DocumentLibraryForm</New>
+</FormTemplates>
+</file>
+
 <file path=customXml/itemProps1.xml><?xml version="1.0" encoding="utf-8"?>
 <ds:datastoreItem xmlns:ds="http://schemas.openxmlformats.org/officeDocument/2006/customXml" ds:itemID="{1333930E-D3A1-45C1-B2A1-5E4C4B8E2011}">
   <ds:schemaRefs>
@@ -36426,14 +36732,6 @@
 </file>
 
 <file path=customXml/itemProps2.xml><?xml version="1.0" encoding="utf-8"?>
-<ds:datastoreItem xmlns:ds="http://schemas.openxmlformats.org/officeDocument/2006/customXml" ds:itemID="{BFA143A0-B8F4-4BDA-BC66-FC30E35BFB34}">
-  <ds:schemaRefs>
-    <ds:schemaRef ds:uri="http://schemas.microsoft.com/sharepoint/v3/contenttype/forms"/>
-  </ds:schemaRefs>
-</ds:datastoreItem>
-</file>
-
-<file path=customXml/itemProps3.xml><?xml version="1.0" encoding="utf-8"?>
 <ds:datastoreItem xmlns:ds="http://schemas.openxmlformats.org/officeDocument/2006/customXml" ds:itemID="{ADF46C30-E4F8-4FCB-8775-EB6D8A97F7BD}">
   <ds:schemaRefs>
     <ds:schemaRef ds:uri="http://schemas.microsoft.com/office/2006/metadata/contentType"/>
@@ -36450,4 +36748,12 @@
     <ds:schemaRef ds:uri="http://schemas.microsoft.com/internal/obd"/>
   </ds:schemaRefs>
 </ds:datastoreItem>
+</file>
+
+<file path=customXml/itemProps3.xml><?xml version="1.0" encoding="utf-8"?>
+<ds:datastoreItem xmlns:ds="http://schemas.openxmlformats.org/officeDocument/2006/customXml" ds:itemID="{BFA143A0-B8F4-4BDA-BC66-FC30E35BFB34}">
+  <ds:schemaRefs>
+    <ds:schemaRef ds:uri="http://schemas.microsoft.com/sharepoint/v3/contenttype/forms"/>
+  </ds:schemaRefs>
+</ds:datastoreItem>
 </file>